--- a/クラス図.pptx
+++ b/クラス図.pptx
@@ -3276,7 +3276,7 @@
         </p:nvSpPr>
         <p:spPr>
           <a:xfrm>
-            <a:off x="1387008" y="1096551"/>
+            <a:off x="2054829" y="203343"/>
             <a:ext cx="1376737" cy="647272"/>
           </a:xfrm>
           <a:prstGeom prst="roundRect">
@@ -3330,7 +3330,7 @@
         </p:nvSpPr>
         <p:spPr>
           <a:xfrm>
-            <a:off x="1387008" y="2110483"/>
+            <a:off x="2054829" y="1217275"/>
             <a:ext cx="1376737" cy="647272"/>
           </a:xfrm>
           <a:prstGeom prst="roundRect">
@@ -3376,7 +3376,7 @@
         </p:nvSpPr>
         <p:spPr>
           <a:xfrm>
-            <a:off x="1387008" y="3124415"/>
+            <a:off x="2054829" y="2231207"/>
             <a:ext cx="1376737" cy="647272"/>
           </a:xfrm>
           <a:prstGeom prst="roundRect">
@@ -3426,7 +3426,7 @@
         </p:nvSpPr>
         <p:spPr>
           <a:xfrm>
-            <a:off x="1387007" y="4138347"/>
+            <a:off x="2054828" y="3245139"/>
             <a:ext cx="1376737" cy="647272"/>
           </a:xfrm>
           <a:prstGeom prst="roundRect">
@@ -3472,7 +3472,7 @@
         </p:nvSpPr>
         <p:spPr>
           <a:xfrm>
-            <a:off x="172946" y="285536"/>
+            <a:off x="238014" y="203343"/>
             <a:ext cx="1376737" cy="647272"/>
           </a:xfrm>
           <a:prstGeom prst="roundRect">
@@ -3521,7 +3521,7 @@
         </p:nvCxnSpPr>
         <p:spPr>
           <a:xfrm>
-            <a:off x="2075377" y="1743823"/>
+            <a:off x="2743198" y="850615"/>
             <a:ext cx="0" cy="366660"/>
           </a:xfrm>
           <a:prstGeom prst="straightConnector1">
@@ -3557,7 +3557,7 @@
         </p:nvCxnSpPr>
         <p:spPr>
           <a:xfrm>
-            <a:off x="2075377" y="2757755"/>
+            <a:off x="2743198" y="1864547"/>
             <a:ext cx="0" cy="366660"/>
           </a:xfrm>
           <a:prstGeom prst="straightConnector1">
@@ -3593,7 +3593,7 @@
         </p:nvCxnSpPr>
         <p:spPr>
           <a:xfrm flipH="1">
-            <a:off x="2075376" y="3771687"/>
+            <a:off x="2743197" y="2878479"/>
             <a:ext cx="1" cy="366660"/>
           </a:xfrm>
           <a:prstGeom prst="straightConnector1">
@@ -3626,7 +3626,7 @@
         </p:nvSpPr>
         <p:spPr>
           <a:xfrm>
-            <a:off x="1387007" y="5152279"/>
+            <a:off x="2054828" y="4259071"/>
             <a:ext cx="1376737" cy="647272"/>
           </a:xfrm>
           <a:prstGeom prst="roundRect">
@@ -3653,8 +3653,8 @@
           <a:p>
             <a:pPr algn="ctr"/>
             <a:r>
-              <a:rPr lang="en-US" altLang="ja-JP" sz="1400" dirty="0" smtClean="0"/>
-              <a:t>CSS</a:t>
+              <a:rPr lang="en-US" altLang="ja-JP" sz="1400" dirty="0" err="1" smtClean="0"/>
+              <a:t>DOMStyle</a:t>
             </a:r>
             <a:endParaRPr lang="en-US" altLang="ja-JP" sz="1400" dirty="0"/>
           </a:p>
@@ -3675,8 +3675,253 @@
         </p:nvCxnSpPr>
         <p:spPr>
           <a:xfrm>
-            <a:off x="2075376" y="4785619"/>
+            <a:off x="2743197" y="3892411"/>
             <a:ext cx="0" cy="366660"/>
+          </a:xfrm>
+          <a:prstGeom prst="straightConnector1">
+            <a:avLst/>
+          </a:prstGeom>
+          <a:ln>
+            <a:tailEnd type="triangle"/>
+          </a:ln>
+        </p:spPr>
+        <p:style>
+          <a:lnRef idx="1">
+            <a:schemeClr val="accent1"/>
+          </a:lnRef>
+          <a:fillRef idx="0">
+            <a:schemeClr val="accent1"/>
+          </a:fillRef>
+          <a:effectRef idx="0">
+            <a:schemeClr val="accent1"/>
+          </a:effectRef>
+          <a:fontRef idx="minor">
+            <a:schemeClr val="tx1"/>
+          </a:fontRef>
+        </p:style>
+      </p:cxnSp>
+      <p:sp>
+        <p:nvSpPr>
+          <p:cNvPr id="12" name="角丸四角形 11"/>
+          <p:cNvSpPr/>
+          <p:nvPr/>
+        </p:nvSpPr>
+        <p:spPr>
+          <a:xfrm>
+            <a:off x="3871642" y="3245139"/>
+            <a:ext cx="1376737" cy="647272"/>
+          </a:xfrm>
+          <a:prstGeom prst="roundRect">
+            <a:avLst/>
+          </a:prstGeom>
+        </p:spPr>
+        <p:style>
+          <a:lnRef idx="1">
+            <a:schemeClr val="accent1"/>
+          </a:lnRef>
+          <a:fillRef idx="2">
+            <a:schemeClr val="accent1"/>
+          </a:fillRef>
+          <a:effectRef idx="1">
+            <a:schemeClr val="accent1"/>
+          </a:effectRef>
+          <a:fontRef idx="minor">
+            <a:schemeClr val="dk1"/>
+          </a:fontRef>
+        </p:style>
+        <p:txBody>
+          <a:bodyPr rtlCol="0" anchor="ctr"/>
+          <a:lstStyle/>
+          <a:p>
+            <a:pPr algn="ctr"/>
+            <a:r>
+              <a:rPr lang="en-US" altLang="ja-JP" sz="1400" dirty="0" smtClean="0"/>
+              <a:t>Layout</a:t>
+            </a:r>
+          </a:p>
+          <a:p>
+            <a:pPr algn="ctr"/>
+            <a:endParaRPr lang="en-US" altLang="ja-JP" sz="1400" dirty="0"/>
+          </a:p>
+        </p:txBody>
+      </p:sp>
+      <p:sp>
+        <p:nvSpPr>
+          <p:cNvPr id="13" name="角丸四角形 12"/>
+          <p:cNvSpPr/>
+          <p:nvPr/>
+        </p:nvSpPr>
+        <p:spPr>
+          <a:xfrm>
+            <a:off x="3871640" y="4259071"/>
+            <a:ext cx="1376737" cy="647272"/>
+          </a:xfrm>
+          <a:prstGeom prst="roundRect">
+            <a:avLst/>
+          </a:prstGeom>
+        </p:spPr>
+        <p:style>
+          <a:lnRef idx="1">
+            <a:schemeClr val="accent1"/>
+          </a:lnRef>
+          <a:fillRef idx="2">
+            <a:schemeClr val="accent1"/>
+          </a:fillRef>
+          <a:effectRef idx="1">
+            <a:schemeClr val="accent1"/>
+          </a:effectRef>
+          <a:fontRef idx="minor">
+            <a:schemeClr val="dk1"/>
+          </a:fontRef>
+        </p:style>
+        <p:txBody>
+          <a:bodyPr rtlCol="0" anchor="ctr"/>
+          <a:lstStyle/>
+          <a:p>
+            <a:pPr algn="ctr"/>
+            <a:r>
+              <a:rPr lang="en-US" altLang="ja-JP" sz="1400" dirty="0" err="1" smtClean="0"/>
+              <a:t>LayoutStyle</a:t>
+            </a:r>
+            <a:endParaRPr lang="en-US" altLang="ja-JP" sz="1400" dirty="0" smtClean="0"/>
+          </a:p>
+          <a:p>
+            <a:pPr algn="ctr"/>
+            <a:endParaRPr lang="en-US" altLang="ja-JP" sz="1400" dirty="0"/>
+          </a:p>
+        </p:txBody>
+      </p:sp>
+      <p:sp>
+        <p:nvSpPr>
+          <p:cNvPr id="14" name="角丸四角形 13"/>
+          <p:cNvSpPr/>
+          <p:nvPr/>
+        </p:nvSpPr>
+        <p:spPr>
+          <a:xfrm>
+            <a:off x="238014" y="3245139"/>
+            <a:ext cx="1376737" cy="647272"/>
+          </a:xfrm>
+          <a:prstGeom prst="roundRect">
+            <a:avLst/>
+          </a:prstGeom>
+        </p:spPr>
+        <p:style>
+          <a:lnRef idx="1">
+            <a:schemeClr val="accent1"/>
+          </a:lnRef>
+          <a:fillRef idx="2">
+            <a:schemeClr val="accent1"/>
+          </a:fillRef>
+          <a:effectRef idx="1">
+            <a:schemeClr val="accent1"/>
+          </a:effectRef>
+          <a:fontRef idx="minor">
+            <a:schemeClr val="dk1"/>
+          </a:fontRef>
+        </p:style>
+        <p:txBody>
+          <a:bodyPr rtlCol="0" anchor="ctr"/>
+          <a:lstStyle/>
+          <a:p>
+            <a:pPr algn="ctr"/>
+            <a:r>
+              <a:rPr lang="en-US" altLang="ja-JP" sz="1400" dirty="0" err="1" smtClean="0"/>
+              <a:t>UIAssembler</a:t>
+            </a:r>
+            <a:endParaRPr lang="en-US" altLang="ja-JP" sz="1400" dirty="0" smtClean="0"/>
+          </a:p>
+          <a:p>
+            <a:pPr algn="ctr"/>
+            <a:endParaRPr lang="en-US" altLang="ja-JP" sz="1400" dirty="0"/>
+          </a:p>
+        </p:txBody>
+      </p:sp>
+      <p:cxnSp>
+        <p:nvCxnSpPr>
+          <p:cNvPr id="3" name="直線矢印コネクタ 2"/>
+          <p:cNvCxnSpPr>
+            <a:stCxn id="9" idx="2"/>
+            <a:endCxn id="12" idx="0"/>
+          </p:cNvCxnSpPr>
+          <p:nvPr/>
+        </p:nvCxnSpPr>
+        <p:spPr>
+          <a:xfrm>
+            <a:off x="2743198" y="2878479"/>
+            <a:ext cx="1816813" cy="366660"/>
+          </a:xfrm>
+          <a:prstGeom prst="straightConnector1">
+            <a:avLst/>
+          </a:prstGeom>
+          <a:ln>
+            <a:tailEnd type="triangle"/>
+          </a:ln>
+        </p:spPr>
+        <p:style>
+          <a:lnRef idx="1">
+            <a:schemeClr val="accent1"/>
+          </a:lnRef>
+          <a:fillRef idx="0">
+            <a:schemeClr val="accent1"/>
+          </a:fillRef>
+          <a:effectRef idx="0">
+            <a:schemeClr val="accent1"/>
+          </a:effectRef>
+          <a:fontRef idx="minor">
+            <a:schemeClr val="tx1"/>
+          </a:fontRef>
+        </p:style>
+      </p:cxnSp>
+      <p:cxnSp>
+        <p:nvCxnSpPr>
+          <p:cNvPr id="6" name="直線矢印コネクタ 5"/>
+          <p:cNvCxnSpPr>
+            <a:stCxn id="12" idx="2"/>
+            <a:endCxn id="13" idx="0"/>
+          </p:cNvCxnSpPr>
+          <p:nvPr/>
+        </p:nvCxnSpPr>
+        <p:spPr>
+          <a:xfrm flipH="1">
+            <a:off x="4560009" y="3892411"/>
+            <a:ext cx="2" cy="366660"/>
+          </a:xfrm>
+          <a:prstGeom prst="straightConnector1">
+            <a:avLst/>
+          </a:prstGeom>
+          <a:ln>
+            <a:tailEnd type="triangle"/>
+          </a:ln>
+        </p:spPr>
+        <p:style>
+          <a:lnRef idx="1">
+            <a:schemeClr val="accent1"/>
+          </a:lnRef>
+          <a:fillRef idx="0">
+            <a:schemeClr val="accent1"/>
+          </a:fillRef>
+          <a:effectRef idx="0">
+            <a:schemeClr val="accent1"/>
+          </a:effectRef>
+          <a:fontRef idx="minor">
+            <a:schemeClr val="tx1"/>
+          </a:fontRef>
+        </p:style>
+      </p:cxnSp>
+      <p:cxnSp>
+        <p:nvCxnSpPr>
+          <p:cNvPr id="23" name="直線矢印コネクタ 22"/>
+          <p:cNvCxnSpPr>
+            <a:stCxn id="9" idx="2"/>
+            <a:endCxn id="14" idx="0"/>
+          </p:cNvCxnSpPr>
+          <p:nvPr/>
+        </p:nvCxnSpPr>
+        <p:spPr>
+          <a:xfrm flipH="1">
+            <a:off x="926383" y="2878479"/>
+            <a:ext cx="1816815" cy="366660"/>
           </a:xfrm>
           <a:prstGeom prst="straightConnector1">
             <a:avLst/>

--- a/クラス図.pptx
+++ b/クラス図.pptx
@@ -3426,7 +3426,7 @@
         </p:nvSpPr>
         <p:spPr>
           <a:xfrm>
-            <a:off x="2054828" y="3245139"/>
+            <a:off x="238012" y="4259071"/>
             <a:ext cx="1376737" cy="647272"/>
           </a:xfrm>
           <a:prstGeom prst="roundRect">
@@ -3582,18 +3582,64 @@
           </a:fontRef>
         </p:style>
       </p:cxnSp>
+      <p:sp>
+        <p:nvSpPr>
+          <p:cNvPr id="25" name="角丸四角形 24"/>
+          <p:cNvSpPr/>
+          <p:nvPr/>
+        </p:nvSpPr>
+        <p:spPr>
+          <a:xfrm>
+            <a:off x="238013" y="5273003"/>
+            <a:ext cx="1376737" cy="647272"/>
+          </a:xfrm>
+          <a:prstGeom prst="roundRect">
+            <a:avLst/>
+          </a:prstGeom>
+        </p:spPr>
+        <p:style>
+          <a:lnRef idx="1">
+            <a:schemeClr val="accent1"/>
+          </a:lnRef>
+          <a:fillRef idx="2">
+            <a:schemeClr val="accent1"/>
+          </a:fillRef>
+          <a:effectRef idx="1">
+            <a:schemeClr val="accent1"/>
+          </a:effectRef>
+          <a:fontRef idx="minor">
+            <a:schemeClr val="dk1"/>
+          </a:fontRef>
+        </p:style>
+        <p:txBody>
+          <a:bodyPr rtlCol="0" anchor="ctr"/>
+          <a:lstStyle/>
+          <a:p>
+            <a:pPr algn="ctr"/>
+            <a:r>
+              <a:rPr lang="en-US" altLang="ja-JP" sz="1400" dirty="0" err="1" smtClean="0"/>
+              <a:t>DOMStyle</a:t>
+            </a:r>
+            <a:endParaRPr lang="en-US" altLang="ja-JP" sz="1400" dirty="0"/>
+          </a:p>
+          <a:p>
+            <a:pPr algn="ctr"/>
+            <a:endParaRPr kumimoji="1" lang="ja-JP" altLang="en-US" sz="1400" dirty="0"/>
+          </a:p>
+        </p:txBody>
+      </p:sp>
       <p:cxnSp>
         <p:nvCxnSpPr>
-          <p:cNvPr id="21" name="直線矢印コネクタ 20"/>
+          <p:cNvPr id="27" name="直線矢印コネクタ 26"/>
           <p:cNvCxnSpPr>
-            <a:stCxn id="9" idx="2"/>
-            <a:endCxn id="10" idx="0"/>
+            <a:stCxn id="10" idx="2"/>
+            <a:endCxn id="25" idx="0"/>
           </p:cNvCxnSpPr>
           <p:nvPr/>
         </p:nvCxnSpPr>
         <p:spPr>
-          <a:xfrm flipH="1">
-            <a:off x="2743197" y="2878479"/>
+          <a:xfrm>
+            <a:off x="926381" y="4906343"/>
             <a:ext cx="1" cy="366660"/>
           </a:xfrm>
           <a:prstGeom prst="straightConnector1">
@@ -3620,7 +3666,7 @@
       </p:cxnSp>
       <p:sp>
         <p:nvSpPr>
-          <p:cNvPr id="25" name="角丸四角形 24"/>
+          <p:cNvPr id="12" name="角丸四角形 11"/>
           <p:cNvSpPr/>
           <p:nvPr/>
         </p:nvSpPr>
@@ -3653,62 +3699,25 @@
           <a:p>
             <a:pPr algn="ctr"/>
             <a:r>
-              <a:rPr lang="en-US" altLang="ja-JP" sz="1400" dirty="0" err="1" smtClean="0"/>
-              <a:t>DOMStyle</a:t>
-            </a:r>
+              <a:rPr lang="en-US" altLang="ja-JP" sz="1400" dirty="0" smtClean="0"/>
+              <a:t>Layout</a:t>
+            </a:r>
+          </a:p>
+          <a:p>
+            <a:pPr algn="ctr"/>
             <a:endParaRPr lang="en-US" altLang="ja-JP" sz="1400" dirty="0"/>
           </a:p>
-          <a:p>
-            <a:pPr algn="ctr"/>
-            <a:endParaRPr kumimoji="1" lang="ja-JP" altLang="en-US" sz="1400" dirty="0"/>
-          </a:p>
-        </p:txBody>
-      </p:sp>
-      <p:cxnSp>
-        <p:nvCxnSpPr>
-          <p:cNvPr id="27" name="直線矢印コネクタ 26"/>
-          <p:cNvCxnSpPr>
-            <a:stCxn id="10" idx="2"/>
-            <a:endCxn id="25" idx="0"/>
-          </p:cNvCxnSpPr>
+        </p:txBody>
+      </p:sp>
+      <p:sp>
+        <p:nvSpPr>
+          <p:cNvPr id="13" name="角丸四角形 12"/>
+          <p:cNvSpPr/>
           <p:nvPr/>
-        </p:nvCxnSpPr>
+        </p:nvSpPr>
         <p:spPr>
           <a:xfrm>
-            <a:off x="2743197" y="3892411"/>
-            <a:ext cx="0" cy="366660"/>
-          </a:xfrm>
-          <a:prstGeom prst="straightConnector1">
-            <a:avLst/>
-          </a:prstGeom>
-          <a:ln>
-            <a:tailEnd type="triangle"/>
-          </a:ln>
-        </p:spPr>
-        <p:style>
-          <a:lnRef idx="1">
-            <a:schemeClr val="accent1"/>
-          </a:lnRef>
-          <a:fillRef idx="0">
-            <a:schemeClr val="accent1"/>
-          </a:fillRef>
-          <a:effectRef idx="0">
-            <a:schemeClr val="accent1"/>
-          </a:effectRef>
-          <a:fontRef idx="minor">
-            <a:schemeClr val="tx1"/>
-          </a:fontRef>
-        </p:style>
-      </p:cxnSp>
-      <p:sp>
-        <p:nvSpPr>
-          <p:cNvPr id="12" name="角丸四角形 11"/>
-          <p:cNvSpPr/>
-          <p:nvPr/>
-        </p:nvSpPr>
-        <p:spPr>
-          <a:xfrm>
-            <a:off x="3871642" y="3245139"/>
+            <a:off x="2054827" y="5273003"/>
             <a:ext cx="1376737" cy="647272"/>
           </a:xfrm>
           <a:prstGeom prst="roundRect">
@@ -3735,9 +3744,10 @@
           <a:p>
             <a:pPr algn="ctr"/>
             <a:r>
-              <a:rPr lang="en-US" altLang="ja-JP" sz="1400" dirty="0" smtClean="0"/>
-              <a:t>Layout</a:t>
-            </a:r>
+              <a:rPr lang="en-US" altLang="ja-JP" sz="1400" dirty="0" err="1" smtClean="0"/>
+              <a:t>LayoutStyle</a:t>
+            </a:r>
+            <a:endParaRPr lang="en-US" altLang="ja-JP" sz="1400" dirty="0" smtClean="0"/>
           </a:p>
           <a:p>
             <a:pPr algn="ctr"/>
@@ -3747,13 +3757,13 @@
       </p:sp>
       <p:sp>
         <p:nvSpPr>
-          <p:cNvPr id="13" name="角丸四角形 12"/>
+          <p:cNvPr id="14" name="角丸四角形 13"/>
           <p:cNvSpPr/>
           <p:nvPr/>
         </p:nvSpPr>
         <p:spPr>
           <a:xfrm>
-            <a:off x="3871640" y="4259071"/>
+            <a:off x="2054829" y="3245139"/>
             <a:ext cx="1376737" cy="647272"/>
           </a:xfrm>
           <a:prstGeom prst="roundRect">
@@ -3781,7 +3791,7 @@
             <a:pPr algn="ctr"/>
             <a:r>
               <a:rPr lang="en-US" altLang="ja-JP" sz="1400" dirty="0" err="1" smtClean="0"/>
-              <a:t>LayoutStyle</a:t>
+              <a:t>UIAssembler</a:t>
             </a:r>
             <a:endParaRPr lang="en-US" altLang="ja-JP" sz="1400" dirty="0" smtClean="0"/>
           </a:p>
@@ -3791,88 +3801,6 @@
           </a:p>
         </p:txBody>
       </p:sp>
-      <p:sp>
-        <p:nvSpPr>
-          <p:cNvPr id="14" name="角丸四角形 13"/>
-          <p:cNvSpPr/>
-          <p:nvPr/>
-        </p:nvSpPr>
-        <p:spPr>
-          <a:xfrm>
-            <a:off x="238014" y="3245139"/>
-            <a:ext cx="1376737" cy="647272"/>
-          </a:xfrm>
-          <a:prstGeom prst="roundRect">
-            <a:avLst/>
-          </a:prstGeom>
-        </p:spPr>
-        <p:style>
-          <a:lnRef idx="1">
-            <a:schemeClr val="accent1"/>
-          </a:lnRef>
-          <a:fillRef idx="2">
-            <a:schemeClr val="accent1"/>
-          </a:fillRef>
-          <a:effectRef idx="1">
-            <a:schemeClr val="accent1"/>
-          </a:effectRef>
-          <a:fontRef idx="minor">
-            <a:schemeClr val="dk1"/>
-          </a:fontRef>
-        </p:style>
-        <p:txBody>
-          <a:bodyPr rtlCol="0" anchor="ctr"/>
-          <a:lstStyle/>
-          <a:p>
-            <a:pPr algn="ctr"/>
-            <a:r>
-              <a:rPr lang="en-US" altLang="ja-JP" sz="1400" dirty="0" err="1" smtClean="0"/>
-              <a:t>UIAssembler</a:t>
-            </a:r>
-            <a:endParaRPr lang="en-US" altLang="ja-JP" sz="1400" dirty="0" smtClean="0"/>
-          </a:p>
-          <a:p>
-            <a:pPr algn="ctr"/>
-            <a:endParaRPr lang="en-US" altLang="ja-JP" sz="1400" dirty="0"/>
-          </a:p>
-        </p:txBody>
-      </p:sp>
-      <p:cxnSp>
-        <p:nvCxnSpPr>
-          <p:cNvPr id="3" name="直線矢印コネクタ 2"/>
-          <p:cNvCxnSpPr>
-            <a:stCxn id="9" idx="2"/>
-            <a:endCxn id="12" idx="0"/>
-          </p:cNvCxnSpPr>
-          <p:nvPr/>
-        </p:nvCxnSpPr>
-        <p:spPr>
-          <a:xfrm>
-            <a:off x="2743198" y="2878479"/>
-            <a:ext cx="1816813" cy="366660"/>
-          </a:xfrm>
-          <a:prstGeom prst="straightConnector1">
-            <a:avLst/>
-          </a:prstGeom>
-          <a:ln>
-            <a:tailEnd type="triangle"/>
-          </a:ln>
-        </p:spPr>
-        <p:style>
-          <a:lnRef idx="1">
-            <a:schemeClr val="accent1"/>
-          </a:lnRef>
-          <a:fillRef idx="0">
-            <a:schemeClr val="accent1"/>
-          </a:fillRef>
-          <a:effectRef idx="0">
-            <a:schemeClr val="accent1"/>
-          </a:effectRef>
-          <a:fontRef idx="minor">
-            <a:schemeClr val="tx1"/>
-          </a:fontRef>
-        </p:style>
-      </p:cxnSp>
       <p:cxnSp>
         <p:nvCxnSpPr>
           <p:cNvPr id="6" name="直線矢印コネクタ 5"/>
@@ -3884,8 +3812,8 @@
         </p:nvCxnSpPr>
         <p:spPr>
           <a:xfrm flipH="1">
-            <a:off x="4560009" y="3892411"/>
-            <a:ext cx="2" cy="366660"/>
+            <a:off x="2743196" y="4906343"/>
+            <a:ext cx="1" cy="366660"/>
           </a:xfrm>
           <a:prstGeom prst="straightConnector1">
             <a:avLst/>
@@ -3919,9 +3847,81 @@
           <p:nvPr/>
         </p:nvCxnSpPr>
         <p:spPr>
+          <a:xfrm>
+            <a:off x="2743198" y="2878479"/>
+            <a:ext cx="0" cy="366660"/>
+          </a:xfrm>
+          <a:prstGeom prst="straightConnector1">
+            <a:avLst/>
+          </a:prstGeom>
+          <a:ln>
+            <a:tailEnd type="triangle"/>
+          </a:ln>
+        </p:spPr>
+        <p:style>
+          <a:lnRef idx="1">
+            <a:schemeClr val="accent1"/>
+          </a:lnRef>
+          <a:fillRef idx="0">
+            <a:schemeClr val="accent1"/>
+          </a:fillRef>
+          <a:effectRef idx="0">
+            <a:schemeClr val="accent1"/>
+          </a:effectRef>
+          <a:fontRef idx="minor">
+            <a:schemeClr val="tx1"/>
+          </a:fontRef>
+        </p:style>
+      </p:cxnSp>
+      <p:cxnSp>
+        <p:nvCxnSpPr>
+          <p:cNvPr id="33" name="直線矢印コネクタ 32"/>
+          <p:cNvCxnSpPr>
+            <a:stCxn id="14" idx="2"/>
+            <a:endCxn id="12" idx="0"/>
+          </p:cNvCxnSpPr>
+          <p:nvPr/>
+        </p:nvCxnSpPr>
+        <p:spPr>
           <a:xfrm flipH="1">
-            <a:off x="926383" y="2878479"/>
-            <a:ext cx="1816815" cy="366660"/>
+            <a:off x="2743197" y="3892411"/>
+            <a:ext cx="1" cy="366660"/>
+          </a:xfrm>
+          <a:prstGeom prst="straightConnector1">
+            <a:avLst/>
+          </a:prstGeom>
+          <a:ln>
+            <a:tailEnd type="triangle"/>
+          </a:ln>
+        </p:spPr>
+        <p:style>
+          <a:lnRef idx="1">
+            <a:schemeClr val="accent1"/>
+          </a:lnRef>
+          <a:fillRef idx="0">
+            <a:schemeClr val="accent1"/>
+          </a:fillRef>
+          <a:effectRef idx="0">
+            <a:schemeClr val="accent1"/>
+          </a:effectRef>
+          <a:fontRef idx="minor">
+            <a:schemeClr val="tx1"/>
+          </a:fontRef>
+        </p:style>
+      </p:cxnSp>
+      <p:cxnSp>
+        <p:nvCxnSpPr>
+          <p:cNvPr id="35" name="直線矢印コネクタ 34"/>
+          <p:cNvCxnSpPr>
+            <a:stCxn id="14" idx="2"/>
+            <a:endCxn id="10" idx="0"/>
+          </p:cNvCxnSpPr>
+          <p:nvPr/>
+        </p:nvCxnSpPr>
+        <p:spPr>
+          <a:xfrm flipH="1">
+            <a:off x="926381" y="3892411"/>
+            <a:ext cx="1816817" cy="366660"/>
           </a:xfrm>
           <a:prstGeom prst="straightConnector1">
             <a:avLst/>

--- a/クラス図.pptx
+++ b/クラス図.pptx
@@ -3420,52 +3420,6 @@
       </p:sp>
       <p:sp>
         <p:nvSpPr>
-          <p:cNvPr id="10" name="角丸四角形 9"/>
-          <p:cNvSpPr/>
-          <p:nvPr/>
-        </p:nvSpPr>
-        <p:spPr>
-          <a:xfrm>
-            <a:off x="238012" y="4259071"/>
-            <a:ext cx="1376737" cy="647272"/>
-          </a:xfrm>
-          <a:prstGeom prst="roundRect">
-            <a:avLst/>
-          </a:prstGeom>
-        </p:spPr>
-        <p:style>
-          <a:lnRef idx="1">
-            <a:schemeClr val="accent1"/>
-          </a:lnRef>
-          <a:fillRef idx="2">
-            <a:schemeClr val="accent1"/>
-          </a:fillRef>
-          <a:effectRef idx="1">
-            <a:schemeClr val="accent1"/>
-          </a:effectRef>
-          <a:fontRef idx="minor">
-            <a:schemeClr val="dk1"/>
-          </a:fontRef>
-        </p:style>
-        <p:txBody>
-          <a:bodyPr rtlCol="0" anchor="ctr"/>
-          <a:lstStyle/>
-          <a:p>
-            <a:pPr algn="ctr"/>
-            <a:r>
-              <a:rPr lang="en-US" altLang="ja-JP" sz="1400" dirty="0" smtClean="0"/>
-              <a:t>DOM</a:t>
-            </a:r>
-            <a:endParaRPr lang="en-US" altLang="ja-JP" sz="1400" dirty="0"/>
-          </a:p>
-          <a:p>
-            <a:pPr algn="ctr"/>
-            <a:endParaRPr kumimoji="1" lang="ja-JP" altLang="en-US" sz="1400" dirty="0"/>
-          </a:p>
-        </p:txBody>
-      </p:sp>
-      <p:sp>
-        <p:nvSpPr>
           <p:cNvPr id="11" name="角丸四角形 10"/>
           <p:cNvSpPr/>
           <p:nvPr/>
@@ -3590,7 +3544,7 @@
         </p:nvSpPr>
         <p:spPr>
           <a:xfrm>
-            <a:off x="238013" y="5273003"/>
+            <a:off x="2054829" y="4259071"/>
             <a:ext cx="1376737" cy="647272"/>
           </a:xfrm>
           <a:prstGeom prst="roundRect">
@@ -3617,8 +3571,8 @@
           <a:p>
             <a:pPr algn="ctr"/>
             <a:r>
-              <a:rPr lang="en-US" altLang="ja-JP" sz="1400" dirty="0" err="1" smtClean="0"/>
-              <a:t>DOMStyle</a:t>
+              <a:rPr lang="en-US" altLang="ja-JP" sz="1400" dirty="0" smtClean="0"/>
+              <a:t>DOM</a:t>
             </a:r>
             <a:endParaRPr lang="en-US" altLang="ja-JP" sz="1400" dirty="0"/>
           </a:p>
@@ -3628,42 +3582,6 @@
           </a:p>
         </p:txBody>
       </p:sp>
-      <p:cxnSp>
-        <p:nvCxnSpPr>
-          <p:cNvPr id="27" name="直線矢印コネクタ 26"/>
-          <p:cNvCxnSpPr>
-            <a:stCxn id="10" idx="2"/>
-            <a:endCxn id="25" idx="0"/>
-          </p:cNvCxnSpPr>
-          <p:nvPr/>
-        </p:nvCxnSpPr>
-        <p:spPr>
-          <a:xfrm>
-            <a:off x="926381" y="4906343"/>
-            <a:ext cx="1" cy="366660"/>
-          </a:xfrm>
-          <a:prstGeom prst="straightConnector1">
-            <a:avLst/>
-          </a:prstGeom>
-          <a:ln>
-            <a:tailEnd type="triangle"/>
-          </a:ln>
-        </p:spPr>
-        <p:style>
-          <a:lnRef idx="1">
-            <a:schemeClr val="accent1"/>
-          </a:lnRef>
-          <a:fillRef idx="0">
-            <a:schemeClr val="accent1"/>
-          </a:fillRef>
-          <a:effectRef idx="0">
-            <a:schemeClr val="accent1"/>
-          </a:effectRef>
-          <a:fontRef idx="minor">
-            <a:schemeClr val="tx1"/>
-          </a:fontRef>
-        </p:style>
-      </p:cxnSp>
       <p:sp>
         <p:nvSpPr>
           <p:cNvPr id="12" name="角丸四角形 11"/>
@@ -3672,7 +3590,7 @@
         </p:nvSpPr>
         <p:spPr>
           <a:xfrm>
-            <a:off x="2054828" y="4259071"/>
+            <a:off x="238012" y="3245139"/>
             <a:ext cx="1376737" cy="647272"/>
           </a:xfrm>
           <a:prstGeom prst="roundRect">
@@ -3717,7 +3635,7 @@
         </p:nvSpPr>
         <p:spPr>
           <a:xfrm>
-            <a:off x="2054827" y="5273003"/>
+            <a:off x="238012" y="4259071"/>
             <a:ext cx="1376737" cy="647272"/>
           </a:xfrm>
           <a:prstGeom prst="roundRect">
@@ -3811,9 +3729,9 @@
           <p:nvPr/>
         </p:nvCxnSpPr>
         <p:spPr>
-          <a:xfrm flipH="1">
-            <a:off x="2743196" y="4906343"/>
-            <a:ext cx="1" cy="366660"/>
+          <a:xfrm>
+            <a:off x="926381" y="3892411"/>
+            <a:ext cx="0" cy="366660"/>
           </a:xfrm>
           <a:prstGeom prst="straightConnector1">
             <a:avLst/>
@@ -3875,17 +3793,17 @@
       </p:cxnSp>
       <p:cxnSp>
         <p:nvCxnSpPr>
-          <p:cNvPr id="33" name="直線矢印コネクタ 32"/>
+          <p:cNvPr id="49" name="直線矢印コネクタ 48"/>
           <p:cNvCxnSpPr>
-            <a:stCxn id="14" idx="2"/>
-            <a:endCxn id="12" idx="0"/>
+            <a:stCxn id="14" idx="1"/>
+            <a:endCxn id="12" idx="3"/>
           </p:cNvCxnSpPr>
           <p:nvPr/>
         </p:nvCxnSpPr>
         <p:spPr>
           <a:xfrm flipH="1">
-            <a:off x="2743197" y="3892411"/>
-            <a:ext cx="1" cy="366660"/>
+            <a:off x="1614749" y="3568775"/>
+            <a:ext cx="440080" cy="0"/>
           </a:xfrm>
           <a:prstGeom prst="straightConnector1">
             <a:avLst/>
@@ -3911,17 +3829,141 @@
       </p:cxnSp>
       <p:cxnSp>
         <p:nvCxnSpPr>
-          <p:cNvPr id="35" name="直線矢印コネクタ 34"/>
+          <p:cNvPr id="58" name="直線矢印コネクタ 57"/>
           <p:cNvCxnSpPr>
             <a:stCxn id="14" idx="2"/>
+            <a:endCxn id="25" idx="0"/>
+          </p:cNvCxnSpPr>
+          <p:nvPr/>
+        </p:nvCxnSpPr>
+        <p:spPr>
+          <a:xfrm>
+            <a:off x="2743198" y="3892411"/>
+            <a:ext cx="0" cy="366660"/>
+          </a:xfrm>
+          <a:prstGeom prst="straightConnector1">
+            <a:avLst/>
+          </a:prstGeom>
+          <a:ln>
+            <a:tailEnd type="triangle"/>
+          </a:ln>
+        </p:spPr>
+        <p:style>
+          <a:lnRef idx="1">
+            <a:schemeClr val="accent1"/>
+          </a:lnRef>
+          <a:fillRef idx="0">
+            <a:schemeClr val="accent1"/>
+          </a:fillRef>
+          <a:effectRef idx="0">
+            <a:schemeClr val="accent1"/>
+          </a:effectRef>
+          <a:fontRef idx="minor">
+            <a:schemeClr val="tx1"/>
+          </a:fontRef>
+        </p:style>
+      </p:cxnSp>
+      <p:sp>
+        <p:nvSpPr>
+          <p:cNvPr id="10" name="角丸四角形 9"/>
+          <p:cNvSpPr/>
+          <p:nvPr/>
+        </p:nvSpPr>
+        <p:spPr>
+          <a:xfrm>
+            <a:off x="2054830" y="5273003"/>
+            <a:ext cx="1376737" cy="647272"/>
+          </a:xfrm>
+          <a:prstGeom prst="roundRect">
+            <a:avLst/>
+          </a:prstGeom>
+        </p:spPr>
+        <p:style>
+          <a:lnRef idx="1">
+            <a:schemeClr val="accent1"/>
+          </a:lnRef>
+          <a:fillRef idx="2">
+            <a:schemeClr val="accent1"/>
+          </a:fillRef>
+          <a:effectRef idx="1">
+            <a:schemeClr val="accent1"/>
+          </a:effectRef>
+          <a:fontRef idx="minor">
+            <a:schemeClr val="dk1"/>
+          </a:fontRef>
+        </p:style>
+        <p:txBody>
+          <a:bodyPr rtlCol="0" anchor="ctr"/>
+          <a:lstStyle/>
+          <a:p>
+            <a:pPr algn="ctr"/>
+            <a:r>
+              <a:rPr lang="en-US" altLang="ja-JP" sz="1400" dirty="0" smtClean="0"/>
+              <a:t>Button</a:t>
+            </a:r>
+            <a:endParaRPr lang="en-US" altLang="ja-JP" sz="1400" dirty="0"/>
+          </a:p>
+          <a:p>
+            <a:pPr algn="ctr"/>
+            <a:endParaRPr kumimoji="1" lang="ja-JP" altLang="en-US" sz="1400" dirty="0"/>
+          </a:p>
+        </p:txBody>
+      </p:sp>
+      <p:sp>
+        <p:nvSpPr>
+          <p:cNvPr id="61" name="角丸四角形 60"/>
+          <p:cNvSpPr/>
+          <p:nvPr/>
+        </p:nvSpPr>
+        <p:spPr>
+          <a:xfrm>
+            <a:off x="2054829" y="5907223"/>
+            <a:ext cx="1376737" cy="371042"/>
+          </a:xfrm>
+          <a:prstGeom prst="roundRect">
+            <a:avLst/>
+          </a:prstGeom>
+        </p:spPr>
+        <p:style>
+          <a:lnRef idx="1">
+            <a:schemeClr val="accent1"/>
+          </a:lnRef>
+          <a:fillRef idx="2">
+            <a:schemeClr val="accent1"/>
+          </a:fillRef>
+          <a:effectRef idx="1">
+            <a:schemeClr val="accent1"/>
+          </a:effectRef>
+          <a:fontRef idx="minor">
+            <a:schemeClr val="dk1"/>
+          </a:fontRef>
+        </p:style>
+        <p:txBody>
+          <a:bodyPr rtlCol="0" anchor="ctr"/>
+          <a:lstStyle/>
+          <a:p>
+            <a:pPr algn="ctr"/>
+            <a:r>
+              <a:rPr lang="en-US" altLang="ja-JP" sz="1400" dirty="0" smtClean="0"/>
+              <a:t>prototype</a:t>
+            </a:r>
+            <a:endParaRPr lang="en-US" altLang="ja-JP" sz="1400" dirty="0"/>
+          </a:p>
+        </p:txBody>
+      </p:sp>
+      <p:cxnSp>
+        <p:nvCxnSpPr>
+          <p:cNvPr id="64" name="直線矢印コネクタ 63"/>
+          <p:cNvCxnSpPr>
+            <a:stCxn id="25" idx="2"/>
             <a:endCxn id="10" idx="0"/>
           </p:cNvCxnSpPr>
           <p:nvPr/>
         </p:nvCxnSpPr>
         <p:spPr>
-          <a:xfrm flipH="1">
-            <a:off x="926381" y="3892411"/>
-            <a:ext cx="1816817" cy="366660"/>
+          <a:xfrm>
+            <a:off x="2743198" y="4906343"/>
+            <a:ext cx="1" cy="366660"/>
           </a:xfrm>
           <a:prstGeom prst="straightConnector1">
             <a:avLst/>

--- a/クラス図.pptx
+++ b/クラス図.pptx
@@ -3909,48 +3909,6 @@
           </a:p>
         </p:txBody>
       </p:sp>
-      <p:sp>
-        <p:nvSpPr>
-          <p:cNvPr id="61" name="角丸四角形 60"/>
-          <p:cNvSpPr/>
-          <p:nvPr/>
-        </p:nvSpPr>
-        <p:spPr>
-          <a:xfrm>
-            <a:off x="2054829" y="5907223"/>
-            <a:ext cx="1376737" cy="371042"/>
-          </a:xfrm>
-          <a:prstGeom prst="roundRect">
-            <a:avLst/>
-          </a:prstGeom>
-        </p:spPr>
-        <p:style>
-          <a:lnRef idx="1">
-            <a:schemeClr val="accent1"/>
-          </a:lnRef>
-          <a:fillRef idx="2">
-            <a:schemeClr val="accent1"/>
-          </a:fillRef>
-          <a:effectRef idx="1">
-            <a:schemeClr val="accent1"/>
-          </a:effectRef>
-          <a:fontRef idx="minor">
-            <a:schemeClr val="dk1"/>
-          </a:fontRef>
-        </p:style>
-        <p:txBody>
-          <a:bodyPr rtlCol="0" anchor="ctr"/>
-          <a:lstStyle/>
-          <a:p>
-            <a:pPr algn="ctr"/>
-            <a:r>
-              <a:rPr lang="en-US" altLang="ja-JP" sz="1400" dirty="0" smtClean="0"/>
-              <a:t>prototype</a:t>
-            </a:r>
-            <a:endParaRPr lang="en-US" altLang="ja-JP" sz="1400" dirty="0"/>
-          </a:p>
-        </p:txBody>
-      </p:sp>
       <p:cxnSp>
         <p:nvCxnSpPr>
           <p:cNvPr id="64" name="直線矢印コネクタ 63"/>
@@ -3963,6 +3921,88 @@
         <p:spPr>
           <a:xfrm>
             <a:off x="2743198" y="4906343"/>
+            <a:ext cx="1" cy="366660"/>
+          </a:xfrm>
+          <a:prstGeom prst="straightConnector1">
+            <a:avLst/>
+          </a:prstGeom>
+          <a:ln>
+            <a:tailEnd type="triangle"/>
+          </a:ln>
+        </p:spPr>
+        <p:style>
+          <a:lnRef idx="1">
+            <a:schemeClr val="accent1"/>
+          </a:lnRef>
+          <a:fillRef idx="0">
+            <a:schemeClr val="accent1"/>
+          </a:fillRef>
+          <a:effectRef idx="0">
+            <a:schemeClr val="accent1"/>
+          </a:effectRef>
+          <a:fontRef idx="minor">
+            <a:schemeClr val="tx1"/>
+          </a:fontRef>
+        </p:style>
+      </p:cxnSp>
+      <p:sp>
+        <p:nvSpPr>
+          <p:cNvPr id="66" name="角丸四角形 65"/>
+          <p:cNvSpPr/>
+          <p:nvPr/>
+        </p:nvSpPr>
+        <p:spPr>
+          <a:xfrm>
+            <a:off x="2054829" y="6286935"/>
+            <a:ext cx="1376737" cy="647272"/>
+          </a:xfrm>
+          <a:prstGeom prst="roundRect">
+            <a:avLst/>
+          </a:prstGeom>
+        </p:spPr>
+        <p:style>
+          <a:lnRef idx="1">
+            <a:schemeClr val="accent1"/>
+          </a:lnRef>
+          <a:fillRef idx="2">
+            <a:schemeClr val="accent1"/>
+          </a:fillRef>
+          <a:effectRef idx="1">
+            <a:schemeClr val="accent1"/>
+          </a:effectRef>
+          <a:fontRef idx="minor">
+            <a:schemeClr val="dk1"/>
+          </a:fontRef>
+        </p:style>
+        <p:txBody>
+          <a:bodyPr rtlCol="0" anchor="ctr"/>
+          <a:lstStyle/>
+          <a:p>
+            <a:pPr algn="ctr"/>
+            <a:r>
+              <a:rPr lang="en-US" altLang="ja-JP" sz="1400" dirty="0" err="1" smtClean="0"/>
+              <a:t>ButtonStyle</a:t>
+            </a:r>
+            <a:endParaRPr lang="en-US" altLang="ja-JP" sz="1400" dirty="0"/>
+          </a:p>
+          <a:p>
+            <a:pPr algn="ctr"/>
+            <a:endParaRPr kumimoji="1" lang="ja-JP" altLang="en-US" sz="1400" dirty="0"/>
+          </a:p>
+        </p:txBody>
+      </p:sp>
+      <p:cxnSp>
+        <p:nvCxnSpPr>
+          <p:cNvPr id="68" name="直線矢印コネクタ 67"/>
+          <p:cNvCxnSpPr>
+            <a:stCxn id="10" idx="2"/>
+            <a:endCxn id="66" idx="0"/>
+          </p:cNvCxnSpPr>
+          <p:nvPr/>
+        </p:nvCxnSpPr>
+        <p:spPr>
+          <a:xfrm flipH="1">
+            <a:off x="2743198" y="5920275"/>
             <a:ext cx="1" cy="366660"/>
           </a:xfrm>
           <a:prstGeom prst="straightConnector1">

--- a/クラス図.pptx
+++ b/クラス図.pptx
@@ -254,7 +254,7 @@
           <a:p>
             <a:fld id="{3F63265D-C59C-4313-9176-524A56ED3D50}" type="datetimeFigureOut">
               <a:rPr kumimoji="1" lang="ja-JP" altLang="en-US" smtClean="0"/>
-              <a:t>2013/9/10</a:t>
+              <a:t>2013/9/11</a:t>
             </a:fld>
             <a:endParaRPr kumimoji="1" lang="ja-JP" altLang="en-US"/>
           </a:p>
@@ -456,7 +456,7 @@
           <a:p>
             <a:fld id="{3F63265D-C59C-4313-9176-524A56ED3D50}" type="datetimeFigureOut">
               <a:rPr kumimoji="1" lang="ja-JP" altLang="en-US" smtClean="0"/>
-              <a:t>2013/9/10</a:t>
+              <a:t>2013/9/11</a:t>
             </a:fld>
             <a:endParaRPr kumimoji="1" lang="ja-JP" altLang="en-US"/>
           </a:p>
@@ -668,7 +668,7 @@
           <a:p>
             <a:fld id="{3F63265D-C59C-4313-9176-524A56ED3D50}" type="datetimeFigureOut">
               <a:rPr kumimoji="1" lang="ja-JP" altLang="en-US" smtClean="0"/>
-              <a:t>2013/9/10</a:t>
+              <a:t>2013/9/11</a:t>
             </a:fld>
             <a:endParaRPr kumimoji="1" lang="ja-JP" altLang="en-US"/>
           </a:p>
@@ -870,7 +870,7 @@
           <a:p>
             <a:fld id="{3F63265D-C59C-4313-9176-524A56ED3D50}" type="datetimeFigureOut">
               <a:rPr kumimoji="1" lang="ja-JP" altLang="en-US" smtClean="0"/>
-              <a:t>2013/9/10</a:t>
+              <a:t>2013/9/11</a:t>
             </a:fld>
             <a:endParaRPr kumimoji="1" lang="ja-JP" altLang="en-US"/>
           </a:p>
@@ -1116,7 +1116,7 @@
           <a:p>
             <a:fld id="{3F63265D-C59C-4313-9176-524A56ED3D50}" type="datetimeFigureOut">
               <a:rPr kumimoji="1" lang="ja-JP" altLang="en-US" smtClean="0"/>
-              <a:t>2013/9/10</a:t>
+              <a:t>2013/9/11</a:t>
             </a:fld>
             <a:endParaRPr kumimoji="1" lang="ja-JP" altLang="en-US"/>
           </a:p>
@@ -1412,7 +1412,7 @@
           <a:p>
             <a:fld id="{3F63265D-C59C-4313-9176-524A56ED3D50}" type="datetimeFigureOut">
               <a:rPr kumimoji="1" lang="ja-JP" altLang="en-US" smtClean="0"/>
-              <a:t>2013/9/10</a:t>
+              <a:t>2013/9/11</a:t>
             </a:fld>
             <a:endParaRPr kumimoji="1" lang="ja-JP" altLang="en-US"/>
           </a:p>
@@ -1843,7 +1843,7 @@
           <a:p>
             <a:fld id="{3F63265D-C59C-4313-9176-524A56ED3D50}" type="datetimeFigureOut">
               <a:rPr kumimoji="1" lang="ja-JP" altLang="en-US" smtClean="0"/>
-              <a:t>2013/9/10</a:t>
+              <a:t>2013/9/11</a:t>
             </a:fld>
             <a:endParaRPr kumimoji="1" lang="ja-JP" altLang="en-US"/>
           </a:p>
@@ -1961,7 +1961,7 @@
           <a:p>
             <a:fld id="{3F63265D-C59C-4313-9176-524A56ED3D50}" type="datetimeFigureOut">
               <a:rPr kumimoji="1" lang="ja-JP" altLang="en-US" smtClean="0"/>
-              <a:t>2013/9/10</a:t>
+              <a:t>2013/9/11</a:t>
             </a:fld>
             <a:endParaRPr kumimoji="1" lang="ja-JP" altLang="en-US"/>
           </a:p>
@@ -2056,7 +2056,7 @@
           <a:p>
             <a:fld id="{3F63265D-C59C-4313-9176-524A56ED3D50}" type="datetimeFigureOut">
               <a:rPr kumimoji="1" lang="ja-JP" altLang="en-US" smtClean="0"/>
-              <a:t>2013/9/10</a:t>
+              <a:t>2013/9/11</a:t>
             </a:fld>
             <a:endParaRPr kumimoji="1" lang="ja-JP" altLang="en-US"/>
           </a:p>
@@ -2365,7 +2365,7 @@
           <a:p>
             <a:fld id="{3F63265D-C59C-4313-9176-524A56ED3D50}" type="datetimeFigureOut">
               <a:rPr kumimoji="1" lang="ja-JP" altLang="en-US" smtClean="0"/>
-              <a:t>2013/9/10</a:t>
+              <a:t>2013/9/11</a:t>
             </a:fld>
             <a:endParaRPr kumimoji="1" lang="ja-JP" altLang="en-US"/>
           </a:p>
@@ -2618,7 +2618,7 @@
           <a:p>
             <a:fld id="{3F63265D-C59C-4313-9176-524A56ED3D50}" type="datetimeFigureOut">
               <a:rPr kumimoji="1" lang="ja-JP" altLang="en-US" smtClean="0"/>
-              <a:t>2013/9/10</a:t>
+              <a:t>2013/9/11</a:t>
             </a:fld>
             <a:endParaRPr kumimoji="1" lang="ja-JP" altLang="en-US"/>
           </a:p>
@@ -2863,7 +2863,7 @@
           <a:p>
             <a:fld id="{3F63265D-C59C-4313-9176-524A56ED3D50}" type="datetimeFigureOut">
               <a:rPr kumimoji="1" lang="ja-JP" altLang="en-US" smtClean="0"/>
-              <a:t>2013/9/10</a:t>
+              <a:t>2013/9/11</a:t>
             </a:fld>
             <a:endParaRPr kumimoji="1" lang="ja-JP" altLang="en-US"/>
           </a:p>
@@ -4027,6 +4027,88 @@
           </a:fontRef>
         </p:style>
       </p:cxnSp>
+      <p:sp>
+        <p:nvSpPr>
+          <p:cNvPr id="20" name="角丸四角形 19"/>
+          <p:cNvSpPr/>
+          <p:nvPr/>
+        </p:nvSpPr>
+        <p:spPr>
+          <a:xfrm>
+            <a:off x="238011" y="6286935"/>
+            <a:ext cx="1376737" cy="647272"/>
+          </a:xfrm>
+          <a:prstGeom prst="roundRect">
+            <a:avLst/>
+          </a:prstGeom>
+        </p:spPr>
+        <p:style>
+          <a:lnRef idx="1">
+            <a:schemeClr val="accent1"/>
+          </a:lnRef>
+          <a:fillRef idx="2">
+            <a:schemeClr val="accent1"/>
+          </a:fillRef>
+          <a:effectRef idx="1">
+            <a:schemeClr val="accent1"/>
+          </a:effectRef>
+          <a:fontRef idx="minor">
+            <a:schemeClr val="dk1"/>
+          </a:fontRef>
+        </p:style>
+        <p:txBody>
+          <a:bodyPr rtlCol="0" anchor="ctr"/>
+          <a:lstStyle/>
+          <a:p>
+            <a:pPr algn="ctr"/>
+            <a:r>
+              <a:rPr lang="en-US" altLang="ja-JP" sz="1200" dirty="0" err="1" smtClean="0"/>
+              <a:t>ButtonBasicSetup</a:t>
+            </a:r>
+            <a:endParaRPr lang="en-US" altLang="ja-JP" sz="1200" dirty="0"/>
+          </a:p>
+          <a:p>
+            <a:pPr algn="ctr"/>
+            <a:endParaRPr kumimoji="1" lang="ja-JP" altLang="en-US" sz="1400" dirty="0"/>
+          </a:p>
+        </p:txBody>
+      </p:sp>
+      <p:cxnSp>
+        <p:nvCxnSpPr>
+          <p:cNvPr id="3" name="直線矢印コネクタ 2"/>
+          <p:cNvCxnSpPr>
+            <a:stCxn id="10" idx="2"/>
+            <a:endCxn id="20" idx="0"/>
+          </p:cNvCxnSpPr>
+          <p:nvPr/>
+        </p:nvCxnSpPr>
+        <p:spPr>
+          <a:xfrm flipH="1">
+            <a:off x="926380" y="5920275"/>
+            <a:ext cx="1816819" cy="366660"/>
+          </a:xfrm>
+          <a:prstGeom prst="straightConnector1">
+            <a:avLst/>
+          </a:prstGeom>
+          <a:ln>
+            <a:tailEnd type="triangle"/>
+          </a:ln>
+        </p:spPr>
+        <p:style>
+          <a:lnRef idx="1">
+            <a:schemeClr val="accent1"/>
+          </a:lnRef>
+          <a:fillRef idx="0">
+            <a:schemeClr val="accent1"/>
+          </a:fillRef>
+          <a:effectRef idx="0">
+            <a:schemeClr val="accent1"/>
+          </a:effectRef>
+          <a:fontRef idx="minor">
+            <a:schemeClr val="tx1"/>
+          </a:fontRef>
+        </p:style>
+      </p:cxnSp>
     </p:spTree>
     <p:extLst>
       <p:ext uri="{BB962C8B-B14F-4D97-AF65-F5344CB8AC3E}">

--- a/クラス図.pptx
+++ b/クラス図.pptx
@@ -254,7 +254,7 @@
           <a:p>
             <a:fld id="{3F63265D-C59C-4313-9176-524A56ED3D50}" type="datetimeFigureOut">
               <a:rPr kumimoji="1" lang="ja-JP" altLang="en-US" smtClean="0"/>
-              <a:t>2013/9/11</a:t>
+              <a:t>2013/9/20</a:t>
             </a:fld>
             <a:endParaRPr kumimoji="1" lang="ja-JP" altLang="en-US"/>
           </a:p>
@@ -456,7 +456,7 @@
           <a:p>
             <a:fld id="{3F63265D-C59C-4313-9176-524A56ED3D50}" type="datetimeFigureOut">
               <a:rPr kumimoji="1" lang="ja-JP" altLang="en-US" smtClean="0"/>
-              <a:t>2013/9/11</a:t>
+              <a:t>2013/9/20</a:t>
             </a:fld>
             <a:endParaRPr kumimoji="1" lang="ja-JP" altLang="en-US"/>
           </a:p>
@@ -668,7 +668,7 @@
           <a:p>
             <a:fld id="{3F63265D-C59C-4313-9176-524A56ED3D50}" type="datetimeFigureOut">
               <a:rPr kumimoji="1" lang="ja-JP" altLang="en-US" smtClean="0"/>
-              <a:t>2013/9/11</a:t>
+              <a:t>2013/9/20</a:t>
             </a:fld>
             <a:endParaRPr kumimoji="1" lang="ja-JP" altLang="en-US"/>
           </a:p>
@@ -870,7 +870,7 @@
           <a:p>
             <a:fld id="{3F63265D-C59C-4313-9176-524A56ED3D50}" type="datetimeFigureOut">
               <a:rPr kumimoji="1" lang="ja-JP" altLang="en-US" smtClean="0"/>
-              <a:t>2013/9/11</a:t>
+              <a:t>2013/9/20</a:t>
             </a:fld>
             <a:endParaRPr kumimoji="1" lang="ja-JP" altLang="en-US"/>
           </a:p>
@@ -1116,7 +1116,7 @@
           <a:p>
             <a:fld id="{3F63265D-C59C-4313-9176-524A56ED3D50}" type="datetimeFigureOut">
               <a:rPr kumimoji="1" lang="ja-JP" altLang="en-US" smtClean="0"/>
-              <a:t>2013/9/11</a:t>
+              <a:t>2013/9/20</a:t>
             </a:fld>
             <a:endParaRPr kumimoji="1" lang="ja-JP" altLang="en-US"/>
           </a:p>
@@ -1412,7 +1412,7 @@
           <a:p>
             <a:fld id="{3F63265D-C59C-4313-9176-524A56ED3D50}" type="datetimeFigureOut">
               <a:rPr kumimoji="1" lang="ja-JP" altLang="en-US" smtClean="0"/>
-              <a:t>2013/9/11</a:t>
+              <a:t>2013/9/20</a:t>
             </a:fld>
             <a:endParaRPr kumimoji="1" lang="ja-JP" altLang="en-US"/>
           </a:p>
@@ -1843,7 +1843,7 @@
           <a:p>
             <a:fld id="{3F63265D-C59C-4313-9176-524A56ED3D50}" type="datetimeFigureOut">
               <a:rPr kumimoji="1" lang="ja-JP" altLang="en-US" smtClean="0"/>
-              <a:t>2013/9/11</a:t>
+              <a:t>2013/9/20</a:t>
             </a:fld>
             <a:endParaRPr kumimoji="1" lang="ja-JP" altLang="en-US"/>
           </a:p>
@@ -1961,7 +1961,7 @@
           <a:p>
             <a:fld id="{3F63265D-C59C-4313-9176-524A56ED3D50}" type="datetimeFigureOut">
               <a:rPr kumimoji="1" lang="ja-JP" altLang="en-US" smtClean="0"/>
-              <a:t>2013/9/11</a:t>
+              <a:t>2013/9/20</a:t>
             </a:fld>
             <a:endParaRPr kumimoji="1" lang="ja-JP" altLang="en-US"/>
           </a:p>
@@ -2056,7 +2056,7 @@
           <a:p>
             <a:fld id="{3F63265D-C59C-4313-9176-524A56ED3D50}" type="datetimeFigureOut">
               <a:rPr kumimoji="1" lang="ja-JP" altLang="en-US" smtClean="0"/>
-              <a:t>2013/9/11</a:t>
+              <a:t>2013/9/20</a:t>
             </a:fld>
             <a:endParaRPr kumimoji="1" lang="ja-JP" altLang="en-US"/>
           </a:p>
@@ -2365,7 +2365,7 @@
           <a:p>
             <a:fld id="{3F63265D-C59C-4313-9176-524A56ED3D50}" type="datetimeFigureOut">
               <a:rPr kumimoji="1" lang="ja-JP" altLang="en-US" smtClean="0"/>
-              <a:t>2013/9/11</a:t>
+              <a:t>2013/9/20</a:t>
             </a:fld>
             <a:endParaRPr kumimoji="1" lang="ja-JP" altLang="en-US"/>
           </a:p>
@@ -2618,7 +2618,7 @@
           <a:p>
             <a:fld id="{3F63265D-C59C-4313-9176-524A56ED3D50}" type="datetimeFigureOut">
               <a:rPr kumimoji="1" lang="ja-JP" altLang="en-US" smtClean="0"/>
-              <a:t>2013/9/11</a:t>
+              <a:t>2013/9/20</a:t>
             </a:fld>
             <a:endParaRPr kumimoji="1" lang="ja-JP" altLang="en-US"/>
           </a:p>
@@ -2863,7 +2863,7 @@
           <a:p>
             <a:fld id="{3F63265D-C59C-4313-9176-524A56ED3D50}" type="datetimeFigureOut">
               <a:rPr kumimoji="1" lang="ja-JP" altLang="en-US" smtClean="0"/>
-              <a:t>2013/9/11</a:t>
+              <a:t>2013/9/20</a:t>
             </a:fld>
             <a:endParaRPr kumimoji="1" lang="ja-JP" altLang="en-US"/>
           </a:p>
@@ -4109,6 +4109,252 @@
           </a:fontRef>
         </p:style>
       </p:cxnSp>
+      <p:sp>
+        <p:nvSpPr>
+          <p:cNvPr id="22" name="角丸四角形 21"/>
+          <p:cNvSpPr/>
+          <p:nvPr/>
+        </p:nvSpPr>
+        <p:spPr>
+          <a:xfrm>
+            <a:off x="3871647" y="6286935"/>
+            <a:ext cx="1376737" cy="647272"/>
+          </a:xfrm>
+          <a:prstGeom prst="roundRect">
+            <a:avLst/>
+          </a:prstGeom>
+        </p:spPr>
+        <p:style>
+          <a:lnRef idx="1">
+            <a:schemeClr val="accent1"/>
+          </a:lnRef>
+          <a:fillRef idx="2">
+            <a:schemeClr val="accent1"/>
+          </a:fillRef>
+          <a:effectRef idx="1">
+            <a:schemeClr val="accent1"/>
+          </a:effectRef>
+          <a:fontRef idx="minor">
+            <a:schemeClr val="dk1"/>
+          </a:fontRef>
+        </p:style>
+        <p:txBody>
+          <a:bodyPr rtlCol="0" anchor="ctr"/>
+          <a:lstStyle/>
+          <a:p>
+            <a:pPr algn="ctr"/>
+            <a:r>
+              <a:rPr lang="en-US" altLang="ja-JP" sz="1400" dirty="0" err="1" smtClean="0"/>
+              <a:t>CardBasicSetup</a:t>
+            </a:r>
+            <a:endParaRPr lang="en-US" altLang="ja-JP" sz="1400" dirty="0"/>
+          </a:p>
+          <a:p>
+            <a:pPr algn="ctr"/>
+            <a:endParaRPr kumimoji="1" lang="ja-JP" altLang="en-US" sz="1400" dirty="0"/>
+          </a:p>
+        </p:txBody>
+      </p:sp>
+      <p:sp>
+        <p:nvSpPr>
+          <p:cNvPr id="24" name="角丸四角形 23"/>
+          <p:cNvSpPr/>
+          <p:nvPr/>
+        </p:nvSpPr>
+        <p:spPr>
+          <a:xfrm>
+            <a:off x="5688465" y="6286935"/>
+            <a:ext cx="1376737" cy="647272"/>
+          </a:xfrm>
+          <a:prstGeom prst="roundRect">
+            <a:avLst/>
+          </a:prstGeom>
+        </p:spPr>
+        <p:style>
+          <a:lnRef idx="1">
+            <a:schemeClr val="accent1"/>
+          </a:lnRef>
+          <a:fillRef idx="2">
+            <a:schemeClr val="accent1"/>
+          </a:fillRef>
+          <a:effectRef idx="1">
+            <a:schemeClr val="accent1"/>
+          </a:effectRef>
+          <a:fontRef idx="minor">
+            <a:schemeClr val="dk1"/>
+          </a:fontRef>
+        </p:style>
+        <p:txBody>
+          <a:bodyPr rtlCol="0" anchor="ctr"/>
+          <a:lstStyle/>
+          <a:p>
+            <a:pPr algn="ctr"/>
+            <a:r>
+              <a:rPr lang="en-US" altLang="ja-JP" sz="1400" dirty="0" err="1" smtClean="0"/>
+              <a:t>CardStyle</a:t>
+            </a:r>
+            <a:endParaRPr lang="en-US" altLang="ja-JP" sz="1400" dirty="0"/>
+          </a:p>
+          <a:p>
+            <a:pPr algn="ctr"/>
+            <a:endParaRPr kumimoji="1" lang="ja-JP" altLang="en-US" sz="1400" dirty="0"/>
+          </a:p>
+        </p:txBody>
+      </p:sp>
+      <p:sp>
+        <p:nvSpPr>
+          <p:cNvPr id="26" name="角丸四角形 25"/>
+          <p:cNvSpPr/>
+          <p:nvPr/>
+        </p:nvSpPr>
+        <p:spPr>
+          <a:xfrm>
+            <a:off x="3871646" y="5273003"/>
+            <a:ext cx="1376737" cy="647272"/>
+          </a:xfrm>
+          <a:prstGeom prst="roundRect">
+            <a:avLst/>
+          </a:prstGeom>
+        </p:spPr>
+        <p:style>
+          <a:lnRef idx="1">
+            <a:schemeClr val="accent1"/>
+          </a:lnRef>
+          <a:fillRef idx="2">
+            <a:schemeClr val="accent1"/>
+          </a:fillRef>
+          <a:effectRef idx="1">
+            <a:schemeClr val="accent1"/>
+          </a:effectRef>
+          <a:fontRef idx="minor">
+            <a:schemeClr val="dk1"/>
+          </a:fontRef>
+        </p:style>
+        <p:txBody>
+          <a:bodyPr rtlCol="0" anchor="ctr"/>
+          <a:lstStyle/>
+          <a:p>
+            <a:pPr algn="ctr"/>
+            <a:r>
+              <a:rPr lang="en-US" altLang="ja-JP" sz="1400" dirty="0" smtClean="0"/>
+              <a:t>Card</a:t>
+            </a:r>
+            <a:endParaRPr lang="en-US" altLang="ja-JP" sz="1400" dirty="0"/>
+          </a:p>
+          <a:p>
+            <a:pPr algn="ctr"/>
+            <a:endParaRPr kumimoji="1" lang="ja-JP" altLang="en-US" sz="1400" dirty="0"/>
+          </a:p>
+        </p:txBody>
+      </p:sp>
+      <p:cxnSp>
+        <p:nvCxnSpPr>
+          <p:cNvPr id="4" name="直線矢印コネクタ 3"/>
+          <p:cNvCxnSpPr>
+            <a:stCxn id="25" idx="2"/>
+            <a:endCxn id="26" idx="0"/>
+          </p:cNvCxnSpPr>
+          <p:nvPr/>
+        </p:nvCxnSpPr>
+        <p:spPr>
+          <a:xfrm>
+            <a:off x="2743198" y="4906343"/>
+            <a:ext cx="1816817" cy="366660"/>
+          </a:xfrm>
+          <a:prstGeom prst="straightConnector1">
+            <a:avLst/>
+          </a:prstGeom>
+          <a:ln>
+            <a:tailEnd type="triangle"/>
+          </a:ln>
+        </p:spPr>
+        <p:style>
+          <a:lnRef idx="1">
+            <a:schemeClr val="accent1"/>
+          </a:lnRef>
+          <a:fillRef idx="0">
+            <a:schemeClr val="accent1"/>
+          </a:fillRef>
+          <a:effectRef idx="0">
+            <a:schemeClr val="accent1"/>
+          </a:effectRef>
+          <a:fontRef idx="minor">
+            <a:schemeClr val="tx1"/>
+          </a:fontRef>
+        </p:style>
+      </p:cxnSp>
+      <p:cxnSp>
+        <p:nvCxnSpPr>
+          <p:cNvPr id="16" name="直線矢印コネクタ 15"/>
+          <p:cNvCxnSpPr>
+            <a:stCxn id="26" idx="2"/>
+            <a:endCxn id="22" idx="0"/>
+          </p:cNvCxnSpPr>
+          <p:nvPr/>
+        </p:nvCxnSpPr>
+        <p:spPr>
+          <a:xfrm>
+            <a:off x="4560015" y="5920275"/>
+            <a:ext cx="1" cy="366660"/>
+          </a:xfrm>
+          <a:prstGeom prst="straightConnector1">
+            <a:avLst/>
+          </a:prstGeom>
+          <a:ln>
+            <a:tailEnd type="triangle"/>
+          </a:ln>
+        </p:spPr>
+        <p:style>
+          <a:lnRef idx="1">
+            <a:schemeClr val="accent1"/>
+          </a:lnRef>
+          <a:fillRef idx="0">
+            <a:schemeClr val="accent1"/>
+          </a:fillRef>
+          <a:effectRef idx="0">
+            <a:schemeClr val="accent1"/>
+          </a:effectRef>
+          <a:fontRef idx="minor">
+            <a:schemeClr val="tx1"/>
+          </a:fontRef>
+        </p:style>
+      </p:cxnSp>
+      <p:cxnSp>
+        <p:nvCxnSpPr>
+          <p:cNvPr id="18" name="直線矢印コネクタ 17"/>
+          <p:cNvCxnSpPr>
+            <a:stCxn id="26" idx="2"/>
+            <a:endCxn id="24" idx="0"/>
+          </p:cNvCxnSpPr>
+          <p:nvPr/>
+        </p:nvCxnSpPr>
+        <p:spPr>
+          <a:xfrm>
+            <a:off x="4560015" y="5920275"/>
+            <a:ext cx="1816819" cy="366660"/>
+          </a:xfrm>
+          <a:prstGeom prst="straightConnector1">
+            <a:avLst/>
+          </a:prstGeom>
+          <a:ln>
+            <a:tailEnd type="triangle"/>
+          </a:ln>
+        </p:spPr>
+        <p:style>
+          <a:lnRef idx="1">
+            <a:schemeClr val="accent1"/>
+          </a:lnRef>
+          <a:fillRef idx="0">
+            <a:schemeClr val="accent1"/>
+          </a:fillRef>
+          <a:effectRef idx="0">
+            <a:schemeClr val="accent1"/>
+          </a:effectRef>
+          <a:fontRef idx="minor">
+            <a:schemeClr val="tx1"/>
+          </a:fontRef>
+        </p:style>
+      </p:cxnSp>
     </p:spTree>
     <p:extLst>
       <p:ext uri="{BB962C8B-B14F-4D97-AF65-F5344CB8AC3E}">

--- a/クラス図.pptx
+++ b/クラス図.pptx
@@ -254,7 +254,7 @@
           <a:p>
             <a:fld id="{3F63265D-C59C-4313-9176-524A56ED3D50}" type="datetimeFigureOut">
               <a:rPr kumimoji="1" lang="ja-JP" altLang="en-US" smtClean="0"/>
-              <a:t>2013/9/20</a:t>
+              <a:t>2013/9/24</a:t>
             </a:fld>
             <a:endParaRPr kumimoji="1" lang="ja-JP" altLang="en-US"/>
           </a:p>
@@ -456,7 +456,7 @@
           <a:p>
             <a:fld id="{3F63265D-C59C-4313-9176-524A56ED3D50}" type="datetimeFigureOut">
               <a:rPr kumimoji="1" lang="ja-JP" altLang="en-US" smtClean="0"/>
-              <a:t>2013/9/20</a:t>
+              <a:t>2013/9/24</a:t>
             </a:fld>
             <a:endParaRPr kumimoji="1" lang="ja-JP" altLang="en-US"/>
           </a:p>
@@ -668,7 +668,7 @@
           <a:p>
             <a:fld id="{3F63265D-C59C-4313-9176-524A56ED3D50}" type="datetimeFigureOut">
               <a:rPr kumimoji="1" lang="ja-JP" altLang="en-US" smtClean="0"/>
-              <a:t>2013/9/20</a:t>
+              <a:t>2013/9/24</a:t>
             </a:fld>
             <a:endParaRPr kumimoji="1" lang="ja-JP" altLang="en-US"/>
           </a:p>
@@ -870,7 +870,7 @@
           <a:p>
             <a:fld id="{3F63265D-C59C-4313-9176-524A56ED3D50}" type="datetimeFigureOut">
               <a:rPr kumimoji="1" lang="ja-JP" altLang="en-US" smtClean="0"/>
-              <a:t>2013/9/20</a:t>
+              <a:t>2013/9/24</a:t>
             </a:fld>
             <a:endParaRPr kumimoji="1" lang="ja-JP" altLang="en-US"/>
           </a:p>
@@ -1116,7 +1116,7 @@
           <a:p>
             <a:fld id="{3F63265D-C59C-4313-9176-524A56ED3D50}" type="datetimeFigureOut">
               <a:rPr kumimoji="1" lang="ja-JP" altLang="en-US" smtClean="0"/>
-              <a:t>2013/9/20</a:t>
+              <a:t>2013/9/24</a:t>
             </a:fld>
             <a:endParaRPr kumimoji="1" lang="ja-JP" altLang="en-US"/>
           </a:p>
@@ -1412,7 +1412,7 @@
           <a:p>
             <a:fld id="{3F63265D-C59C-4313-9176-524A56ED3D50}" type="datetimeFigureOut">
               <a:rPr kumimoji="1" lang="ja-JP" altLang="en-US" smtClean="0"/>
-              <a:t>2013/9/20</a:t>
+              <a:t>2013/9/24</a:t>
             </a:fld>
             <a:endParaRPr kumimoji="1" lang="ja-JP" altLang="en-US"/>
           </a:p>
@@ -1843,7 +1843,7 @@
           <a:p>
             <a:fld id="{3F63265D-C59C-4313-9176-524A56ED3D50}" type="datetimeFigureOut">
               <a:rPr kumimoji="1" lang="ja-JP" altLang="en-US" smtClean="0"/>
-              <a:t>2013/9/20</a:t>
+              <a:t>2013/9/24</a:t>
             </a:fld>
             <a:endParaRPr kumimoji="1" lang="ja-JP" altLang="en-US"/>
           </a:p>
@@ -1961,7 +1961,7 @@
           <a:p>
             <a:fld id="{3F63265D-C59C-4313-9176-524A56ED3D50}" type="datetimeFigureOut">
               <a:rPr kumimoji="1" lang="ja-JP" altLang="en-US" smtClean="0"/>
-              <a:t>2013/9/20</a:t>
+              <a:t>2013/9/24</a:t>
             </a:fld>
             <a:endParaRPr kumimoji="1" lang="ja-JP" altLang="en-US"/>
           </a:p>
@@ -2056,7 +2056,7 @@
           <a:p>
             <a:fld id="{3F63265D-C59C-4313-9176-524A56ED3D50}" type="datetimeFigureOut">
               <a:rPr kumimoji="1" lang="ja-JP" altLang="en-US" smtClean="0"/>
-              <a:t>2013/9/20</a:t>
+              <a:t>2013/9/24</a:t>
             </a:fld>
             <a:endParaRPr kumimoji="1" lang="ja-JP" altLang="en-US"/>
           </a:p>
@@ -2365,7 +2365,7 @@
           <a:p>
             <a:fld id="{3F63265D-C59C-4313-9176-524A56ED3D50}" type="datetimeFigureOut">
               <a:rPr kumimoji="1" lang="ja-JP" altLang="en-US" smtClean="0"/>
-              <a:t>2013/9/20</a:t>
+              <a:t>2013/9/24</a:t>
             </a:fld>
             <a:endParaRPr kumimoji="1" lang="ja-JP" altLang="en-US"/>
           </a:p>
@@ -2618,7 +2618,7 @@
           <a:p>
             <a:fld id="{3F63265D-C59C-4313-9176-524A56ED3D50}" type="datetimeFigureOut">
               <a:rPr kumimoji="1" lang="ja-JP" altLang="en-US" smtClean="0"/>
-              <a:t>2013/9/20</a:t>
+              <a:t>2013/9/24</a:t>
             </a:fld>
             <a:endParaRPr kumimoji="1" lang="ja-JP" altLang="en-US"/>
           </a:p>
@@ -2863,7 +2863,7 @@
           <a:p>
             <a:fld id="{3F63265D-C59C-4313-9176-524A56ED3D50}" type="datetimeFigureOut">
               <a:rPr kumimoji="1" lang="ja-JP" altLang="en-US" smtClean="0"/>
-              <a:t>2013/9/20</a:t>
+              <a:t>2013/9/24</a:t>
             </a:fld>
             <a:endParaRPr kumimoji="1" lang="ja-JP" altLang="en-US"/>
           </a:p>
@@ -3871,7 +3871,7 @@
         </p:nvSpPr>
         <p:spPr>
           <a:xfrm>
-            <a:off x="2054830" y="5273003"/>
+            <a:off x="2054827" y="5273003"/>
             <a:ext cx="1376737" cy="647272"/>
           </a:xfrm>
           <a:prstGeom prst="roundRect">
@@ -3919,9 +3919,9 @@
           <p:nvPr/>
         </p:nvCxnSpPr>
         <p:spPr>
-          <a:xfrm>
-            <a:off x="2743198" y="4906343"/>
-            <a:ext cx="1" cy="366660"/>
+          <a:xfrm flipH="1">
+            <a:off x="2743196" y="4906343"/>
+            <a:ext cx="2" cy="366660"/>
           </a:xfrm>
           <a:prstGeom prst="straightConnector1">
             <a:avLst/>
@@ -4001,9 +4001,9 @@
           <p:nvPr/>
         </p:nvCxnSpPr>
         <p:spPr>
-          <a:xfrm flipH="1">
-            <a:off x="2743198" y="5920275"/>
-            <a:ext cx="1" cy="366660"/>
+          <a:xfrm>
+            <a:off x="2743196" y="5920275"/>
+            <a:ext cx="2" cy="366660"/>
           </a:xfrm>
           <a:prstGeom prst="straightConnector1">
             <a:avLst/>
@@ -4085,7 +4085,7 @@
         <p:spPr>
           <a:xfrm flipH="1">
             <a:off x="926380" y="5920275"/>
-            <a:ext cx="1816819" cy="366660"/>
+            <a:ext cx="1816816" cy="366660"/>
           </a:xfrm>
           <a:prstGeom prst="straightConnector1">
             <a:avLst/>
@@ -4209,7 +4209,7 @@
         </p:nvSpPr>
         <p:spPr>
           <a:xfrm>
-            <a:off x="3871646" y="5273003"/>
+            <a:off x="5688465" y="5273003"/>
             <a:ext cx="1376737" cy="647272"/>
           </a:xfrm>
           <a:prstGeom prst="roundRect">
@@ -4247,42 +4247,6 @@
           </a:p>
         </p:txBody>
       </p:sp>
-      <p:cxnSp>
-        <p:nvCxnSpPr>
-          <p:cNvPr id="4" name="直線矢印コネクタ 3"/>
-          <p:cNvCxnSpPr>
-            <a:stCxn id="25" idx="2"/>
-            <a:endCxn id="26" idx="0"/>
-          </p:cNvCxnSpPr>
-          <p:nvPr/>
-        </p:nvCxnSpPr>
-        <p:spPr>
-          <a:xfrm>
-            <a:off x="2743198" y="4906343"/>
-            <a:ext cx="1816817" cy="366660"/>
-          </a:xfrm>
-          <a:prstGeom prst="straightConnector1">
-            <a:avLst/>
-          </a:prstGeom>
-          <a:ln>
-            <a:tailEnd type="triangle"/>
-          </a:ln>
-        </p:spPr>
-        <p:style>
-          <a:lnRef idx="1">
-            <a:schemeClr val="accent1"/>
-          </a:lnRef>
-          <a:fillRef idx="0">
-            <a:schemeClr val="accent1"/>
-          </a:fillRef>
-          <a:effectRef idx="0">
-            <a:schemeClr val="accent1"/>
-          </a:effectRef>
-          <a:fontRef idx="minor">
-            <a:schemeClr val="tx1"/>
-          </a:fontRef>
-        </p:style>
-      </p:cxnSp>
       <p:cxnSp>
         <p:nvCxnSpPr>
           <p:cNvPr id="16" name="直線矢印コネクタ 15"/>
@@ -4293,9 +4257,9 @@
           <p:nvPr/>
         </p:nvCxnSpPr>
         <p:spPr>
-          <a:xfrm>
-            <a:off x="4560015" y="5920275"/>
-            <a:ext cx="1" cy="366660"/>
+          <a:xfrm flipH="1">
+            <a:off x="4560016" y="5920275"/>
+            <a:ext cx="1816818" cy="366660"/>
           </a:xfrm>
           <a:prstGeom prst="straightConnector1">
             <a:avLst/>
@@ -4330,8 +4294,208 @@
         </p:nvCxnSpPr>
         <p:spPr>
           <a:xfrm>
-            <a:off x="4560015" y="5920275"/>
-            <a:ext cx="1816819" cy="366660"/>
+            <a:off x="6376834" y="5920275"/>
+            <a:ext cx="0" cy="366660"/>
+          </a:xfrm>
+          <a:prstGeom prst="straightConnector1">
+            <a:avLst/>
+          </a:prstGeom>
+          <a:ln>
+            <a:tailEnd type="triangle"/>
+          </a:ln>
+        </p:spPr>
+        <p:style>
+          <a:lnRef idx="1">
+            <a:schemeClr val="accent1"/>
+          </a:lnRef>
+          <a:fillRef idx="0">
+            <a:schemeClr val="accent1"/>
+          </a:fillRef>
+          <a:effectRef idx="0">
+            <a:schemeClr val="accent1"/>
+          </a:effectRef>
+          <a:fontRef idx="minor">
+            <a:schemeClr val="tx1"/>
+          </a:fontRef>
+        </p:style>
+      </p:cxnSp>
+      <p:sp>
+        <p:nvSpPr>
+          <p:cNvPr id="28" name="角丸四角形 27"/>
+          <p:cNvSpPr/>
+          <p:nvPr/>
+        </p:nvSpPr>
+        <p:spPr>
+          <a:xfrm>
+            <a:off x="3871646" y="5273003"/>
+            <a:ext cx="1376737" cy="647272"/>
+          </a:xfrm>
+          <a:prstGeom prst="roundRect">
+            <a:avLst/>
+          </a:prstGeom>
+        </p:spPr>
+        <p:style>
+          <a:lnRef idx="1">
+            <a:schemeClr val="accent1"/>
+          </a:lnRef>
+          <a:fillRef idx="2">
+            <a:schemeClr val="accent1"/>
+          </a:fillRef>
+          <a:effectRef idx="1">
+            <a:schemeClr val="accent1"/>
+          </a:effectRef>
+          <a:fontRef idx="minor">
+            <a:schemeClr val="dk1"/>
+          </a:fontRef>
+        </p:style>
+        <p:txBody>
+          <a:bodyPr rtlCol="0" anchor="ctr"/>
+          <a:lstStyle/>
+          <a:p>
+            <a:pPr algn="ctr"/>
+            <a:r>
+              <a:rPr lang="en-US" altLang="ja-JP" sz="1400" dirty="0" err="1" smtClean="0"/>
+              <a:t>CardCreator</a:t>
+            </a:r>
+            <a:endParaRPr lang="en-US" altLang="ja-JP" sz="1400" dirty="0"/>
+          </a:p>
+          <a:p>
+            <a:pPr algn="ctr"/>
+            <a:endParaRPr kumimoji="1" lang="ja-JP" altLang="en-US" sz="1400" dirty="0"/>
+          </a:p>
+        </p:txBody>
+      </p:sp>
+      <p:cxnSp>
+        <p:nvCxnSpPr>
+          <p:cNvPr id="36" name="直線矢印コネクタ 35"/>
+          <p:cNvCxnSpPr>
+            <a:stCxn id="25" idx="2"/>
+            <a:endCxn id="28" idx="0"/>
+          </p:cNvCxnSpPr>
+          <p:nvPr/>
+        </p:nvCxnSpPr>
+        <p:spPr>
+          <a:xfrm>
+            <a:off x="2743198" y="4906343"/>
+            <a:ext cx="1816817" cy="366660"/>
+          </a:xfrm>
+          <a:prstGeom prst="straightConnector1">
+            <a:avLst/>
+          </a:prstGeom>
+          <a:ln>
+            <a:tailEnd type="triangle"/>
+          </a:ln>
+        </p:spPr>
+        <p:style>
+          <a:lnRef idx="1">
+            <a:schemeClr val="accent1"/>
+          </a:lnRef>
+          <a:fillRef idx="0">
+            <a:schemeClr val="accent1"/>
+          </a:fillRef>
+          <a:effectRef idx="0">
+            <a:schemeClr val="accent1"/>
+          </a:effectRef>
+          <a:fontRef idx="minor">
+            <a:schemeClr val="tx1"/>
+          </a:fontRef>
+        </p:style>
+      </p:cxnSp>
+      <p:cxnSp>
+        <p:nvCxnSpPr>
+          <p:cNvPr id="38" name="直線矢印コネクタ 37"/>
+          <p:cNvCxnSpPr>
+            <a:stCxn id="28" idx="3"/>
+            <a:endCxn id="26" idx="1"/>
+          </p:cNvCxnSpPr>
+          <p:nvPr/>
+        </p:nvCxnSpPr>
+        <p:spPr>
+          <a:xfrm>
+            <a:off x="5248383" y="5596639"/>
+            <a:ext cx="440082" cy="0"/>
+          </a:xfrm>
+          <a:prstGeom prst="straightConnector1">
+            <a:avLst/>
+          </a:prstGeom>
+          <a:ln>
+            <a:tailEnd type="triangle"/>
+          </a:ln>
+        </p:spPr>
+        <p:style>
+          <a:lnRef idx="1">
+            <a:schemeClr val="accent1"/>
+          </a:lnRef>
+          <a:fillRef idx="0">
+            <a:schemeClr val="accent1"/>
+          </a:fillRef>
+          <a:effectRef idx="0">
+            <a:schemeClr val="accent1"/>
+          </a:effectRef>
+          <a:fontRef idx="minor">
+            <a:schemeClr val="tx1"/>
+          </a:fontRef>
+        </p:style>
+      </p:cxnSp>
+      <p:sp>
+        <p:nvSpPr>
+          <p:cNvPr id="30" name="角丸四角形 29"/>
+          <p:cNvSpPr/>
+          <p:nvPr/>
+        </p:nvSpPr>
+        <p:spPr>
+          <a:xfrm>
+            <a:off x="3871645" y="3245139"/>
+            <a:ext cx="1376737" cy="647272"/>
+          </a:xfrm>
+          <a:prstGeom prst="roundRect">
+            <a:avLst/>
+          </a:prstGeom>
+        </p:spPr>
+        <p:style>
+          <a:lnRef idx="1">
+            <a:schemeClr val="accent1"/>
+          </a:lnRef>
+          <a:fillRef idx="2">
+            <a:schemeClr val="accent1"/>
+          </a:fillRef>
+          <a:effectRef idx="1">
+            <a:schemeClr val="accent1"/>
+          </a:effectRef>
+          <a:fontRef idx="minor">
+            <a:schemeClr val="dk1"/>
+          </a:fontRef>
+        </p:style>
+        <p:txBody>
+          <a:bodyPr rtlCol="0" anchor="ctr"/>
+          <a:lstStyle/>
+          <a:p>
+            <a:pPr algn="ctr"/>
+            <a:r>
+              <a:rPr lang="en-US" altLang="ja-JP" sz="1400" dirty="0" err="1" smtClean="0"/>
+              <a:t>CardSetting</a:t>
+            </a:r>
+            <a:endParaRPr lang="en-US" altLang="ja-JP" sz="1400" dirty="0" smtClean="0"/>
+          </a:p>
+          <a:p>
+            <a:pPr algn="ctr"/>
+            <a:endParaRPr lang="en-US" altLang="ja-JP" sz="1400" dirty="0"/>
+          </a:p>
+        </p:txBody>
+      </p:sp>
+      <p:cxnSp>
+        <p:nvCxnSpPr>
+          <p:cNvPr id="4" name="直線矢印コネクタ 3"/>
+          <p:cNvCxnSpPr>
+            <a:stCxn id="14" idx="3"/>
+            <a:endCxn id="30" idx="1"/>
+          </p:cNvCxnSpPr>
+          <p:nvPr/>
+        </p:nvCxnSpPr>
+        <p:spPr>
+          <a:xfrm>
+            <a:off x="3431566" y="3568775"/>
+            <a:ext cx="440079" cy="0"/>
           </a:xfrm>
           <a:prstGeom prst="straightConnector1">
             <a:avLst/>

--- a/クラス図.pptx
+++ b/クラス図.pptx
@@ -4473,7 +4473,7 @@
             <a:pPr algn="ctr"/>
             <a:r>
               <a:rPr lang="en-US" altLang="ja-JP" sz="1400" dirty="0" err="1" smtClean="0"/>
-              <a:t>CardSetting</a:t>
+              <a:t>CardSetter</a:t>
             </a:r>
             <a:endParaRPr lang="en-US" altLang="ja-JP" sz="1400" dirty="0" smtClean="0"/>
           </a:p>
@@ -4496,6 +4496,170 @@
           <a:xfrm>
             <a:off x="3431566" y="3568775"/>
             <a:ext cx="440079" cy="0"/>
+          </a:xfrm>
+          <a:prstGeom prst="straightConnector1">
+            <a:avLst/>
+          </a:prstGeom>
+          <a:ln>
+            <a:tailEnd type="triangle"/>
+          </a:ln>
+        </p:spPr>
+        <p:style>
+          <a:lnRef idx="1">
+            <a:schemeClr val="accent1"/>
+          </a:lnRef>
+          <a:fillRef idx="0">
+            <a:schemeClr val="accent1"/>
+          </a:fillRef>
+          <a:effectRef idx="0">
+            <a:schemeClr val="accent1"/>
+          </a:effectRef>
+          <a:fontRef idx="minor">
+            <a:schemeClr val="tx1"/>
+          </a:fontRef>
+        </p:style>
+      </p:cxnSp>
+      <p:sp>
+        <p:nvSpPr>
+          <p:cNvPr id="33" name="角丸四角形 32"/>
+          <p:cNvSpPr/>
+          <p:nvPr/>
+        </p:nvSpPr>
+        <p:spPr>
+          <a:xfrm>
+            <a:off x="5688465" y="3245139"/>
+            <a:ext cx="1376737" cy="647272"/>
+          </a:xfrm>
+          <a:prstGeom prst="roundRect">
+            <a:avLst/>
+          </a:prstGeom>
+        </p:spPr>
+        <p:style>
+          <a:lnRef idx="1">
+            <a:schemeClr val="accent1"/>
+          </a:lnRef>
+          <a:fillRef idx="2">
+            <a:schemeClr val="accent1"/>
+          </a:fillRef>
+          <a:effectRef idx="1">
+            <a:schemeClr val="accent1"/>
+          </a:effectRef>
+          <a:fontRef idx="minor">
+            <a:schemeClr val="dk1"/>
+          </a:fontRef>
+        </p:style>
+        <p:txBody>
+          <a:bodyPr rtlCol="0" anchor="ctr"/>
+          <a:lstStyle/>
+          <a:p>
+            <a:pPr algn="ctr"/>
+            <a:r>
+              <a:rPr lang="en-US" altLang="ja-JP" sz="1400" dirty="0" err="1" smtClean="0"/>
+              <a:t>CardShuffler</a:t>
+            </a:r>
+            <a:endParaRPr lang="en-US" altLang="ja-JP" sz="1400" dirty="0" smtClean="0"/>
+          </a:p>
+          <a:p>
+            <a:pPr algn="ctr"/>
+            <a:endParaRPr lang="en-US" altLang="ja-JP" sz="1400" dirty="0"/>
+          </a:p>
+        </p:txBody>
+      </p:sp>
+      <p:cxnSp>
+        <p:nvCxnSpPr>
+          <p:cNvPr id="17" name="直線矢印コネクタ 16"/>
+          <p:cNvCxnSpPr>
+            <a:stCxn id="30" idx="3"/>
+            <a:endCxn id="33" idx="1"/>
+          </p:cNvCxnSpPr>
+          <p:nvPr/>
+        </p:nvCxnSpPr>
+        <p:spPr>
+          <a:xfrm>
+            <a:off x="5248382" y="3568775"/>
+            <a:ext cx="440083" cy="0"/>
+          </a:xfrm>
+          <a:prstGeom prst="straightConnector1">
+            <a:avLst/>
+          </a:prstGeom>
+          <a:ln>
+            <a:tailEnd type="triangle"/>
+          </a:ln>
+        </p:spPr>
+        <p:style>
+          <a:lnRef idx="1">
+            <a:schemeClr val="accent1"/>
+          </a:lnRef>
+          <a:fillRef idx="0">
+            <a:schemeClr val="accent1"/>
+          </a:fillRef>
+          <a:effectRef idx="0">
+            <a:schemeClr val="accent1"/>
+          </a:effectRef>
+          <a:fontRef idx="minor">
+            <a:schemeClr val="tx1"/>
+          </a:fontRef>
+        </p:style>
+      </p:cxnSp>
+      <p:sp>
+        <p:nvSpPr>
+          <p:cNvPr id="37" name="角丸四角形 36"/>
+          <p:cNvSpPr/>
+          <p:nvPr/>
+        </p:nvSpPr>
+        <p:spPr>
+          <a:xfrm>
+            <a:off x="5688464" y="4259071"/>
+            <a:ext cx="1376737" cy="647272"/>
+          </a:xfrm>
+          <a:prstGeom prst="roundRect">
+            <a:avLst/>
+          </a:prstGeom>
+        </p:spPr>
+        <p:style>
+          <a:lnRef idx="1">
+            <a:schemeClr val="accent1"/>
+          </a:lnRef>
+          <a:fillRef idx="2">
+            <a:schemeClr val="accent1"/>
+          </a:fillRef>
+          <a:effectRef idx="1">
+            <a:schemeClr val="accent1"/>
+          </a:effectRef>
+          <a:fontRef idx="minor">
+            <a:schemeClr val="dk1"/>
+          </a:fontRef>
+        </p:style>
+        <p:txBody>
+          <a:bodyPr rtlCol="0" anchor="ctr"/>
+          <a:lstStyle/>
+          <a:p>
+            <a:pPr algn="ctr"/>
+            <a:r>
+              <a:rPr lang="en-US" altLang="ja-JP" sz="1400" dirty="0" err="1" smtClean="0"/>
+              <a:t>IndexSetter</a:t>
+            </a:r>
+            <a:endParaRPr lang="en-US" altLang="ja-JP" sz="1400" dirty="0" smtClean="0"/>
+          </a:p>
+          <a:p>
+            <a:pPr algn="ctr"/>
+            <a:endParaRPr lang="en-US" altLang="ja-JP" sz="1400" dirty="0"/>
+          </a:p>
+        </p:txBody>
+      </p:sp>
+      <p:cxnSp>
+        <p:nvCxnSpPr>
+          <p:cNvPr id="39" name="直線矢印コネクタ 38"/>
+          <p:cNvCxnSpPr>
+            <a:stCxn id="28" idx="3"/>
+            <a:endCxn id="37" idx="1"/>
+          </p:cNvCxnSpPr>
+          <p:nvPr/>
+        </p:nvCxnSpPr>
+        <p:spPr>
+          <a:xfrm flipV="1">
+            <a:off x="5248383" y="4582707"/>
+            <a:ext cx="440081" cy="1013932"/>
           </a:xfrm>
           <a:prstGeom prst="straightConnector1">
             <a:avLst/>
